--- a/文档/软工.pptx
+++ b/文档/软工.pptx
@@ -9,6 +9,10 @@
     <p:sldId id="257" r:id="rId3"/>
     <p:sldId id="258" r:id="rId4"/>
     <p:sldId id="259" r:id="rId5"/>
+    <p:sldId id="260" r:id="rId6"/>
+    <p:sldId id="261" r:id="rId7"/>
+    <p:sldId id="262" r:id="rId8"/>
+    <p:sldId id="263" r:id="rId9"/>
   </p:sldIdLst>
   <p:sldSz cx="12192000" cy="6858000"/>
   <p:notesSz cx="6858000" cy="9144000"/>
@@ -107,6 +111,11 @@
       </a:defRPr>
     </a:lvl9pPr>
   </p:defaultTextStyle>
+  <p:extLst>
+    <p:ext uri="{EFAFB233-063F-42B5-8137-9DF3F51BA10A}">
+      <p15:sldGuideLst xmlns:p15="http://schemas.microsoft.com/office/powerpoint/2012/main"/>
+    </p:ext>
+  </p:extLst>
 </p:presentation>
 </file>
 
@@ -1181,6 +1190,13 @@
         </dgm:presLayoutVars>
       </dgm:prSet>
       <dgm:spPr/>
+      <dgm:t>
+        <a:bodyPr/>
+        <a:lstStyle/>
+        <a:p>
+          <a:endParaRPr lang="zh-CN" altLang="en-US"/>
+        </a:p>
+      </dgm:t>
     </dgm:pt>
     <dgm:pt modelId="{1FFC1526-0A4C-405A-B8BA-BDB59FE5289D}" type="pres">
       <dgm:prSet presAssocID="{FBA644E8-9BAE-4CAF-9092-DA8594493A9E}" presName="children" presStyleCnt="0"/>
@@ -1529,7 +1545,7 @@
         </a:p>
       </dsp:txBody>
       <dsp:txXfrm>
-        <a:off x="6228118" y="2540037"/>
+        <a:off x="6228118" y="2540036"/>
         <a:ext cx="1098569" cy="748210"/>
       </dsp:txXfrm>
     </dsp:sp>
@@ -1608,7 +1624,7 @@
         </a:p>
       </dsp:txBody>
       <dsp:txXfrm>
-        <a:off x="3068261" y="2540037"/>
+        <a:off x="3068261" y="2540036"/>
         <a:ext cx="1098569" cy="748210"/>
       </dsp:txXfrm>
     </dsp:sp>
@@ -10318,6 +10334,369 @@
 </p:sld>
 </file>
 
+<file path=ppt/slides/slide5.xml><?xml version="1.0" encoding="utf-8"?>
+<p:sld xmlns:a="http://schemas.openxmlformats.org/drawingml/2006/main" xmlns:r="http://schemas.openxmlformats.org/officeDocument/2006/relationships" xmlns:p="http://schemas.openxmlformats.org/presentationml/2006/main">
+  <p:cSld>
+    <p:spTree>
+      <p:nvGrpSpPr>
+        <p:cNvPr id="1" name=""/>
+        <p:cNvGrpSpPr/>
+        <p:nvPr/>
+      </p:nvGrpSpPr>
+      <p:grpSpPr>
+        <a:xfrm>
+          <a:off x="0" y="0"/>
+          <a:ext cx="0" cy="0"/>
+          <a:chOff x="0" y="0"/>
+          <a:chExt cx="0" cy="0"/>
+        </a:xfrm>
+      </p:grpSpPr>
+      <p:sp>
+        <p:nvSpPr>
+          <p:cNvPr id="2" name="标题 1"/>
+          <p:cNvSpPr>
+            <a:spLocks noGrp="1"/>
+          </p:cNvSpPr>
+          <p:nvPr>
+            <p:ph type="title"/>
+          </p:nvPr>
+        </p:nvSpPr>
+        <p:spPr/>
+        <p:txBody>
+          <a:bodyPr/>
+          <a:lstStyle/>
+          <a:p>
+            <a:r>
+              <a:rPr lang="en-US" altLang="zh-CN" dirty="0" smtClean="0"/>
+              <a:t>GITHUB</a:t>
+            </a:r>
+            <a:r>
+              <a:rPr lang="zh-CN" altLang="en-US" dirty="0" smtClean="0"/>
+              <a:t>使用记录</a:t>
+            </a:r>
+            <a:endParaRPr lang="zh-CN" altLang="en-US" dirty="0"/>
+          </a:p>
+        </p:txBody>
+      </p:sp>
+      <p:pic>
+        <p:nvPicPr>
+          <p:cNvPr id="4" name="内容占位符 3"/>
+          <p:cNvPicPr>
+            <a:picLocks noGrp="1" noChangeAspect="1"/>
+          </p:cNvPicPr>
+          <p:nvPr>
+            <p:ph sz="quarter" idx="13"/>
+          </p:nvPr>
+        </p:nvPicPr>
+        <p:blipFill>
+          <a:blip r:embed="rId2">
+            <a:extLst>
+              <a:ext uri="{28A0092B-C50C-407E-A947-70E740481C1C}">
+                <a14:useLocalDpi xmlns:a14="http://schemas.microsoft.com/office/drawing/2010/main" val="0"/>
+              </a:ext>
+            </a:extLst>
+          </a:blip>
+          <a:stretch>
+            <a:fillRect/>
+          </a:stretch>
+        </p:blipFill>
+        <p:spPr>
+          <a:xfrm>
+            <a:off x="685801" y="2009159"/>
+            <a:ext cx="6054505" cy="3311525"/>
+          </a:xfrm>
+        </p:spPr>
+      </p:pic>
+    </p:spTree>
+    <p:extLst>
+      <p:ext uri="{BB962C8B-B14F-4D97-AF65-F5344CB8AC3E}">
+        <p14:creationId xmlns:p14="http://schemas.microsoft.com/office/powerpoint/2010/main" val="1933527437"/>
+      </p:ext>
+    </p:extLst>
+  </p:cSld>
+  <p:clrMapOvr>
+    <a:masterClrMapping/>
+  </p:clrMapOvr>
+</p:sld>
+</file>
+
+<file path=ppt/slides/slide6.xml><?xml version="1.0" encoding="utf-8"?>
+<p:sld xmlns:a="http://schemas.openxmlformats.org/drawingml/2006/main" xmlns:r="http://schemas.openxmlformats.org/officeDocument/2006/relationships" xmlns:p="http://schemas.openxmlformats.org/presentationml/2006/main">
+  <p:cSld>
+    <p:spTree>
+      <p:nvGrpSpPr>
+        <p:cNvPr id="1" name=""/>
+        <p:cNvGrpSpPr/>
+        <p:nvPr/>
+      </p:nvGrpSpPr>
+      <p:grpSpPr>
+        <a:xfrm>
+          <a:off x="0" y="0"/>
+          <a:ext cx="0" cy="0"/>
+          <a:chOff x="0" y="0"/>
+          <a:chExt cx="0" cy="0"/>
+        </a:xfrm>
+      </p:grpSpPr>
+      <p:sp>
+        <p:nvSpPr>
+          <p:cNvPr id="2" name="标题 1"/>
+          <p:cNvSpPr>
+            <a:spLocks noGrp="1"/>
+          </p:cNvSpPr>
+          <p:nvPr>
+            <p:ph type="title"/>
+          </p:nvPr>
+        </p:nvSpPr>
+        <p:spPr/>
+        <p:txBody>
+          <a:bodyPr/>
+          <a:lstStyle/>
+          <a:p>
+            <a:r>
+              <a:rPr lang="zh-CN" altLang="en-US" dirty="0" smtClean="0"/>
+              <a:t>会议记录</a:t>
+            </a:r>
+            <a:endParaRPr lang="zh-CN" altLang="en-US" dirty="0"/>
+          </a:p>
+        </p:txBody>
+      </p:sp>
+      <p:pic>
+        <p:nvPicPr>
+          <p:cNvPr id="4" name="内容占位符 3"/>
+          <p:cNvPicPr>
+            <a:picLocks noGrp="1" noChangeAspect="1"/>
+          </p:cNvPicPr>
+          <p:nvPr>
+            <p:ph sz="quarter" idx="13"/>
+          </p:nvPr>
+        </p:nvPicPr>
+        <p:blipFill>
+          <a:blip r:embed="rId2">
+            <a:extLst>
+              <a:ext uri="{28A0092B-C50C-407E-A947-70E740481C1C}">
+                <a14:useLocalDpi xmlns:a14="http://schemas.microsoft.com/office/drawing/2010/main" val="0"/>
+              </a:ext>
+            </a:extLst>
+          </a:blip>
+          <a:stretch>
+            <a:fillRect/>
+          </a:stretch>
+        </p:blipFill>
+        <p:spPr>
+          <a:xfrm>
+            <a:off x="685801" y="1968216"/>
+            <a:ext cx="6146118" cy="3311525"/>
+          </a:xfrm>
+        </p:spPr>
+      </p:pic>
+    </p:spTree>
+    <p:extLst>
+      <p:ext uri="{BB962C8B-B14F-4D97-AF65-F5344CB8AC3E}">
+        <p14:creationId xmlns:p14="http://schemas.microsoft.com/office/powerpoint/2010/main" val="3329960677"/>
+      </p:ext>
+    </p:extLst>
+  </p:cSld>
+  <p:clrMapOvr>
+    <a:masterClrMapping/>
+  </p:clrMapOvr>
+</p:sld>
+</file>
+
+<file path=ppt/slides/slide7.xml><?xml version="1.0" encoding="utf-8"?>
+<p:sld xmlns:a="http://schemas.openxmlformats.org/drawingml/2006/main" xmlns:r="http://schemas.openxmlformats.org/officeDocument/2006/relationships" xmlns:p="http://schemas.openxmlformats.org/presentationml/2006/main">
+  <p:cSld>
+    <p:spTree>
+      <p:nvGrpSpPr>
+        <p:cNvPr id="1" name=""/>
+        <p:cNvGrpSpPr/>
+        <p:nvPr/>
+      </p:nvGrpSpPr>
+      <p:grpSpPr>
+        <a:xfrm>
+          <a:off x="0" y="0"/>
+          <a:ext cx="0" cy="0"/>
+          <a:chOff x="0" y="0"/>
+          <a:chExt cx="0" cy="0"/>
+        </a:xfrm>
+      </p:grpSpPr>
+      <p:sp>
+        <p:nvSpPr>
+          <p:cNvPr id="2" name="标题 1"/>
+          <p:cNvSpPr>
+            <a:spLocks noGrp="1"/>
+          </p:cNvSpPr>
+          <p:nvPr>
+            <p:ph type="title"/>
+          </p:nvPr>
+        </p:nvSpPr>
+        <p:spPr/>
+        <p:txBody>
+          <a:bodyPr/>
+          <a:lstStyle/>
+          <a:p>
+            <a:r>
+              <a:rPr lang="zh-CN" altLang="en-US" dirty="0" smtClean="0"/>
+              <a:t>优势</a:t>
+            </a:r>
+            <a:endParaRPr lang="zh-CN" altLang="en-US" dirty="0"/>
+          </a:p>
+        </p:txBody>
+      </p:sp>
+      <p:sp>
+        <p:nvSpPr>
+          <p:cNvPr id="3" name="内容占位符 2"/>
+          <p:cNvSpPr>
+            <a:spLocks noGrp="1"/>
+          </p:cNvSpPr>
+          <p:nvPr>
+            <p:ph sz="quarter" idx="13"/>
+          </p:nvPr>
+        </p:nvSpPr>
+        <p:spPr/>
+        <p:txBody>
+          <a:bodyPr/>
+          <a:lstStyle/>
+          <a:p>
+            <a:r>
+              <a:rPr lang="zh-CN" altLang="en-US" dirty="0" smtClean="0"/>
+              <a:t>完成了老师的全部要求</a:t>
+            </a:r>
+            <a:endParaRPr lang="en-US" altLang="zh-CN" dirty="0" smtClean="0"/>
+          </a:p>
+          <a:p>
+            <a:r>
+              <a:rPr lang="zh-CN" altLang="en-US" dirty="0" smtClean="0"/>
+              <a:t>注重人机交互与软件友好度</a:t>
+            </a:r>
+            <a:endParaRPr lang="en-US" altLang="zh-CN" dirty="0" smtClean="0"/>
+          </a:p>
+          <a:p>
+            <a:r>
+              <a:rPr lang="zh-CN" altLang="en-US" dirty="0" smtClean="0"/>
+              <a:t>功能实用可靠</a:t>
+            </a:r>
+            <a:endParaRPr lang="en-US" altLang="zh-CN" dirty="0" smtClean="0"/>
+          </a:p>
+          <a:p>
+            <a:r>
+              <a:rPr lang="zh-CN" altLang="en-US" dirty="0" smtClean="0"/>
+              <a:t>注重分析理解，较好地处理和展示数据</a:t>
+            </a:r>
+            <a:endParaRPr lang="en-US" altLang="zh-CN" dirty="0" smtClean="0"/>
+          </a:p>
+          <a:p>
+            <a:r>
+              <a:rPr lang="zh-CN" altLang="en-US" dirty="0" smtClean="0"/>
+              <a:t>页面多视角跳转</a:t>
+            </a:r>
+            <a:endParaRPr lang="zh-CN" altLang="en-US" dirty="0"/>
+          </a:p>
+        </p:txBody>
+      </p:sp>
+    </p:spTree>
+    <p:extLst>
+      <p:ext uri="{BB962C8B-B14F-4D97-AF65-F5344CB8AC3E}">
+        <p14:creationId xmlns:p14="http://schemas.microsoft.com/office/powerpoint/2010/main" val="3717212703"/>
+      </p:ext>
+    </p:extLst>
+  </p:cSld>
+  <p:clrMapOvr>
+    <a:masterClrMapping/>
+  </p:clrMapOvr>
+</p:sld>
+</file>
+
+<file path=ppt/slides/slide8.xml><?xml version="1.0" encoding="utf-8"?>
+<p:sld xmlns:a="http://schemas.openxmlformats.org/drawingml/2006/main" xmlns:r="http://schemas.openxmlformats.org/officeDocument/2006/relationships" xmlns:p="http://schemas.openxmlformats.org/presentationml/2006/main">
+  <p:cSld>
+    <p:spTree>
+      <p:nvGrpSpPr>
+        <p:cNvPr id="1" name=""/>
+        <p:cNvGrpSpPr/>
+        <p:nvPr/>
+      </p:nvGrpSpPr>
+      <p:grpSpPr>
+        <a:xfrm>
+          <a:off x="0" y="0"/>
+          <a:ext cx="0" cy="0"/>
+          <a:chOff x="0" y="0"/>
+          <a:chExt cx="0" cy="0"/>
+        </a:xfrm>
+      </p:grpSpPr>
+      <p:sp>
+        <p:nvSpPr>
+          <p:cNvPr id="2" name="标题 1"/>
+          <p:cNvSpPr>
+            <a:spLocks noGrp="1"/>
+          </p:cNvSpPr>
+          <p:nvPr>
+            <p:ph type="title"/>
+          </p:nvPr>
+        </p:nvSpPr>
+        <p:spPr/>
+        <p:txBody>
+          <a:bodyPr/>
+          <a:lstStyle/>
+          <a:p>
+            <a:r>
+              <a:rPr lang="zh-CN" altLang="en-US" dirty="0" smtClean="0"/>
+              <a:t>不足</a:t>
+            </a:r>
+            <a:endParaRPr lang="zh-CN" altLang="en-US" dirty="0"/>
+          </a:p>
+        </p:txBody>
+      </p:sp>
+      <p:sp>
+        <p:nvSpPr>
+          <p:cNvPr id="3" name="内容占位符 2"/>
+          <p:cNvSpPr>
+            <a:spLocks noGrp="1"/>
+          </p:cNvSpPr>
+          <p:nvPr>
+            <p:ph sz="quarter" idx="13"/>
+          </p:nvPr>
+        </p:nvSpPr>
+        <p:spPr/>
+        <p:txBody>
+          <a:bodyPr/>
+          <a:lstStyle/>
+          <a:p>
+            <a:r>
+              <a:rPr lang="zh-CN" altLang="en-US" dirty="0" smtClean="0"/>
+              <a:t>拖延症，</a:t>
+            </a:r>
+            <a:r>
+              <a:rPr lang="en-US" altLang="zh-CN" dirty="0" err="1" smtClean="0"/>
+              <a:t>ddl</a:t>
+            </a:r>
+            <a:r>
+              <a:rPr lang="zh-CN" altLang="en-US" dirty="0" smtClean="0"/>
+              <a:t>前会比较辛苦</a:t>
+            </a:r>
+            <a:endParaRPr lang="en-US" altLang="zh-CN" dirty="0" smtClean="0"/>
+          </a:p>
+          <a:p>
+            <a:r>
+              <a:rPr lang="zh-CN" altLang="en-US" dirty="0" smtClean="0"/>
+              <a:t>人员易产生分歧</a:t>
+            </a:r>
+            <a:endParaRPr lang="zh-CN" altLang="en-US" dirty="0"/>
+          </a:p>
+        </p:txBody>
+      </p:sp>
+    </p:spTree>
+    <p:extLst>
+      <p:ext uri="{BB962C8B-B14F-4D97-AF65-F5344CB8AC3E}">
+        <p14:creationId xmlns:p14="http://schemas.microsoft.com/office/powerpoint/2010/main" val="422974501"/>
+      </p:ext>
+    </p:extLst>
+  </p:cSld>
+  <p:clrMapOvr>
+    <a:masterClrMapping/>
+  </p:clrMapOvr>
+</p:sld>
+</file>
+
 <file path=ppt/theme/theme1.xml><?xml version="1.0" encoding="utf-8"?>
 <a:theme xmlns:a="http://schemas.openxmlformats.org/drawingml/2006/main" name="主要事件">
   <a:themeElements>

--- a/文档/软工.pptx
+++ b/文档/软工.pptx
@@ -9,10 +9,19 @@
     <p:sldId id="257" r:id="rId3"/>
     <p:sldId id="258" r:id="rId4"/>
     <p:sldId id="259" r:id="rId5"/>
-    <p:sldId id="260" r:id="rId6"/>
-    <p:sldId id="261" r:id="rId7"/>
-    <p:sldId id="262" r:id="rId8"/>
-    <p:sldId id="263" r:id="rId9"/>
+    <p:sldId id="264" r:id="rId6"/>
+    <p:sldId id="270" r:id="rId7"/>
+    <p:sldId id="271" r:id="rId8"/>
+    <p:sldId id="272" r:id="rId9"/>
+    <p:sldId id="273" r:id="rId10"/>
+    <p:sldId id="274" r:id="rId11"/>
+    <p:sldId id="260" r:id="rId12"/>
+    <p:sldId id="275" r:id="rId13"/>
+    <p:sldId id="277" r:id="rId14"/>
+    <p:sldId id="261" r:id="rId15"/>
+    <p:sldId id="262" r:id="rId16"/>
+    <p:sldId id="263" r:id="rId17"/>
+    <p:sldId id="276" r:id="rId18"/>
   </p:sldIdLst>
   <p:sldSz cx="12192000" cy="6858000"/>
   <p:notesSz cx="6858000" cy="9144000"/>
@@ -10040,6 +10049,962 @@
 </p:sld>
 </file>
 
+<file path=ppt/slides/slide10.xml><?xml version="1.0" encoding="utf-8"?>
+<p:sld xmlns:a="http://schemas.openxmlformats.org/drawingml/2006/main" xmlns:r="http://schemas.openxmlformats.org/officeDocument/2006/relationships" xmlns:p="http://schemas.openxmlformats.org/presentationml/2006/main">
+  <p:cSld>
+    <p:spTree>
+      <p:nvGrpSpPr>
+        <p:cNvPr id="1" name=""/>
+        <p:cNvGrpSpPr/>
+        <p:nvPr/>
+      </p:nvGrpSpPr>
+      <p:grpSpPr>
+        <a:xfrm>
+          <a:off x="0" y="0"/>
+          <a:ext cx="0" cy="0"/>
+          <a:chOff x="0" y="0"/>
+          <a:chExt cx="0" cy="0"/>
+        </a:xfrm>
+      </p:grpSpPr>
+      <p:sp>
+        <p:nvSpPr>
+          <p:cNvPr id="2" name="标题 1"/>
+          <p:cNvSpPr>
+            <a:spLocks noGrp="1"/>
+          </p:cNvSpPr>
+          <p:nvPr>
+            <p:ph type="title"/>
+          </p:nvPr>
+        </p:nvSpPr>
+        <p:spPr/>
+        <p:txBody>
+          <a:bodyPr/>
+          <a:lstStyle/>
+          <a:p>
+            <a:r>
+              <a:rPr lang="zh-CN" altLang="en-US" dirty="0" smtClean="0"/>
+              <a:t>统计分析</a:t>
+            </a:r>
+            <a:endParaRPr lang="zh-CN" altLang="en-US" dirty="0"/>
+          </a:p>
+        </p:txBody>
+      </p:sp>
+      <p:pic>
+        <p:nvPicPr>
+          <p:cNvPr id="5" name="内容占位符 4"/>
+          <p:cNvPicPr>
+            <a:picLocks noGrp="1" noChangeAspect="1"/>
+          </p:cNvPicPr>
+          <p:nvPr>
+            <p:ph sz="quarter" idx="13"/>
+          </p:nvPr>
+        </p:nvPicPr>
+        <p:blipFill>
+          <a:blip r:embed="rId2">
+            <a:extLst>
+              <a:ext uri="{28A0092B-C50C-407E-A947-70E740481C1C}">
+                <a14:useLocalDpi xmlns:a14="http://schemas.microsoft.com/office/drawing/2010/main" val="0"/>
+              </a:ext>
+            </a:extLst>
+          </a:blip>
+          <a:stretch>
+            <a:fillRect/>
+          </a:stretch>
+        </p:blipFill>
+        <p:spPr>
+          <a:xfrm>
+            <a:off x="685800" y="2327280"/>
+            <a:ext cx="5087938" cy="2784465"/>
+          </a:xfrm>
+        </p:spPr>
+      </p:pic>
+      <p:pic>
+        <p:nvPicPr>
+          <p:cNvPr id="6" name="内容占位符 5"/>
+          <p:cNvPicPr>
+            <a:picLocks noGrp="1" noChangeAspect="1"/>
+          </p:cNvPicPr>
+          <p:nvPr>
+            <p:ph sz="quarter" idx="14"/>
+          </p:nvPr>
+        </p:nvPicPr>
+        <p:blipFill>
+          <a:blip r:embed="rId3">
+            <a:extLst>
+              <a:ext uri="{28A0092B-C50C-407E-A947-70E740481C1C}">
+                <a14:useLocalDpi xmlns:a14="http://schemas.microsoft.com/office/drawing/2010/main" val="0"/>
+              </a:ext>
+            </a:extLst>
+          </a:blip>
+          <a:stretch>
+            <a:fillRect/>
+          </a:stretch>
+        </p:blipFill>
+        <p:spPr>
+          <a:xfrm>
+            <a:off x="5994400" y="2327714"/>
+            <a:ext cx="5086350" cy="2783596"/>
+          </a:xfrm>
+        </p:spPr>
+      </p:pic>
+    </p:spTree>
+    <p:extLst>
+      <p:ext uri="{BB962C8B-B14F-4D97-AF65-F5344CB8AC3E}">
+        <p14:creationId xmlns:p14="http://schemas.microsoft.com/office/powerpoint/2010/main" val="2411861179"/>
+      </p:ext>
+    </p:extLst>
+  </p:cSld>
+  <p:clrMapOvr>
+    <a:masterClrMapping/>
+  </p:clrMapOvr>
+</p:sld>
+</file>
+
+<file path=ppt/slides/slide11.xml><?xml version="1.0" encoding="utf-8"?>
+<p:sld xmlns:a="http://schemas.openxmlformats.org/drawingml/2006/main" xmlns:r="http://schemas.openxmlformats.org/officeDocument/2006/relationships" xmlns:p="http://schemas.openxmlformats.org/presentationml/2006/main">
+  <p:cSld>
+    <p:spTree>
+      <p:nvGrpSpPr>
+        <p:cNvPr id="1" name=""/>
+        <p:cNvGrpSpPr/>
+        <p:nvPr/>
+      </p:nvGrpSpPr>
+      <p:grpSpPr>
+        <a:xfrm>
+          <a:off x="0" y="0"/>
+          <a:ext cx="0" cy="0"/>
+          <a:chOff x="0" y="0"/>
+          <a:chExt cx="0" cy="0"/>
+        </a:xfrm>
+      </p:grpSpPr>
+      <p:sp>
+        <p:nvSpPr>
+          <p:cNvPr id="2" name="标题 1"/>
+          <p:cNvSpPr>
+            <a:spLocks noGrp="1"/>
+          </p:cNvSpPr>
+          <p:nvPr>
+            <p:ph type="title"/>
+          </p:nvPr>
+        </p:nvSpPr>
+        <p:spPr/>
+        <p:txBody>
+          <a:bodyPr/>
+          <a:lstStyle/>
+          <a:p>
+            <a:r>
+              <a:rPr lang="en-US" altLang="zh-CN" dirty="0" smtClean="0"/>
+              <a:t>GITHUB</a:t>
+            </a:r>
+            <a:r>
+              <a:rPr lang="zh-CN" altLang="en-US" dirty="0" smtClean="0"/>
+              <a:t>使用记录</a:t>
+            </a:r>
+            <a:endParaRPr lang="zh-CN" altLang="en-US" dirty="0"/>
+          </a:p>
+        </p:txBody>
+      </p:sp>
+      <p:pic>
+        <p:nvPicPr>
+          <p:cNvPr id="4" name="内容占位符 3"/>
+          <p:cNvPicPr>
+            <a:picLocks noGrp="1" noChangeAspect="1"/>
+          </p:cNvPicPr>
+          <p:nvPr>
+            <p:ph sz="quarter" idx="13"/>
+          </p:nvPr>
+        </p:nvPicPr>
+        <p:blipFill>
+          <a:blip r:embed="rId2">
+            <a:extLst>
+              <a:ext uri="{28A0092B-C50C-407E-A947-70E740481C1C}">
+                <a14:useLocalDpi xmlns:a14="http://schemas.microsoft.com/office/drawing/2010/main" val="0"/>
+              </a:ext>
+            </a:extLst>
+          </a:blip>
+          <a:stretch>
+            <a:fillRect/>
+          </a:stretch>
+        </p:blipFill>
+        <p:spPr>
+          <a:xfrm>
+            <a:off x="685800" y="2328083"/>
+            <a:ext cx="5087938" cy="2782858"/>
+          </a:xfrm>
+        </p:spPr>
+      </p:pic>
+      <p:sp>
+        <p:nvSpPr>
+          <p:cNvPr id="5" name="内容占位符 4"/>
+          <p:cNvSpPr>
+            <a:spLocks noGrp="1"/>
+          </p:cNvSpPr>
+          <p:nvPr>
+            <p:ph sz="quarter" idx="14"/>
+          </p:nvPr>
+        </p:nvSpPr>
+        <p:spPr>
+          <a:xfrm>
+            <a:off x="5996145" y="2328083"/>
+            <a:ext cx="5086538" cy="3311189"/>
+          </a:xfrm>
+        </p:spPr>
+        <p:txBody>
+          <a:bodyPr/>
+          <a:lstStyle/>
+          <a:p>
+            <a:r>
+              <a:rPr lang="zh-CN" altLang="en-US" dirty="0" smtClean="0"/>
+              <a:t>利用</a:t>
+            </a:r>
+            <a:r>
+              <a:rPr lang="en-US" altLang="zh-CN" dirty="0" smtClean="0"/>
+              <a:t>GTIHUB</a:t>
+            </a:r>
+            <a:r>
+              <a:rPr lang="zh-CN" altLang="en-US" dirty="0" smtClean="0"/>
+              <a:t>进行版本控制</a:t>
+            </a:r>
+            <a:endParaRPr lang="en-US" altLang="zh-CN" dirty="0" smtClean="0"/>
+          </a:p>
+          <a:p>
+            <a:endParaRPr lang="en-US" altLang="zh-CN" dirty="0"/>
+          </a:p>
+          <a:p>
+            <a:r>
+              <a:rPr lang="zh-CN" altLang="en-US" dirty="0" smtClean="0"/>
+              <a:t>减少交流成本</a:t>
+            </a:r>
+            <a:endParaRPr lang="en-US" altLang="zh-CN" dirty="0" smtClean="0"/>
+          </a:p>
+          <a:p>
+            <a:endParaRPr lang="en-US" altLang="zh-CN" dirty="0"/>
+          </a:p>
+          <a:p>
+            <a:r>
+              <a:rPr lang="zh-CN" altLang="en-US" dirty="0" smtClean="0"/>
+              <a:t>利于开发</a:t>
+            </a:r>
+            <a:endParaRPr lang="zh-CN" altLang="en-US" dirty="0"/>
+          </a:p>
+        </p:txBody>
+      </p:sp>
+    </p:spTree>
+    <p:extLst>
+      <p:ext uri="{BB962C8B-B14F-4D97-AF65-F5344CB8AC3E}">
+        <p14:creationId xmlns:p14="http://schemas.microsoft.com/office/powerpoint/2010/main" val="1933527437"/>
+      </p:ext>
+    </p:extLst>
+  </p:cSld>
+  <p:clrMapOvr>
+    <a:masterClrMapping/>
+  </p:clrMapOvr>
+</p:sld>
+</file>
+
+<file path=ppt/slides/slide12.xml><?xml version="1.0" encoding="utf-8"?>
+<p:sld xmlns:a="http://schemas.openxmlformats.org/drawingml/2006/main" xmlns:r="http://schemas.openxmlformats.org/officeDocument/2006/relationships" xmlns:p="http://schemas.openxmlformats.org/presentationml/2006/main">
+  <p:cSld>
+    <p:spTree>
+      <p:nvGrpSpPr>
+        <p:cNvPr id="1" name=""/>
+        <p:cNvGrpSpPr/>
+        <p:nvPr/>
+      </p:nvGrpSpPr>
+      <p:grpSpPr>
+        <a:xfrm>
+          <a:off x="0" y="0"/>
+          <a:ext cx="0" cy="0"/>
+          <a:chOff x="0" y="0"/>
+          <a:chExt cx="0" cy="0"/>
+        </a:xfrm>
+      </p:grpSpPr>
+      <p:sp>
+        <p:nvSpPr>
+          <p:cNvPr id="2" name="标题 1"/>
+          <p:cNvSpPr>
+            <a:spLocks noGrp="1"/>
+          </p:cNvSpPr>
+          <p:nvPr>
+            <p:ph type="title"/>
+          </p:nvPr>
+        </p:nvSpPr>
+        <p:spPr/>
+        <p:txBody>
+          <a:bodyPr/>
+          <a:lstStyle/>
+          <a:p>
+            <a:r>
+              <a:rPr lang="zh-CN" altLang="zh-CN" dirty="0"/>
+              <a:t>分层架构和面向接口编程</a:t>
+            </a:r>
+            <a:endParaRPr lang="zh-CN" altLang="en-US" dirty="0"/>
+          </a:p>
+        </p:txBody>
+      </p:sp>
+      <p:pic>
+        <p:nvPicPr>
+          <p:cNvPr id="6" name="内容占位符 5"/>
+          <p:cNvPicPr>
+            <a:picLocks noGrp="1" noChangeAspect="1"/>
+          </p:cNvPicPr>
+          <p:nvPr>
+            <p:ph sz="quarter" idx="13"/>
+          </p:nvPr>
+        </p:nvPicPr>
+        <p:blipFill>
+          <a:blip r:embed="rId2">
+            <a:extLst>
+              <a:ext uri="{28A0092B-C50C-407E-A947-70E740481C1C}">
+                <a14:useLocalDpi xmlns:a14="http://schemas.microsoft.com/office/drawing/2010/main" val="0"/>
+              </a:ext>
+            </a:extLst>
+          </a:blip>
+          <a:stretch>
+            <a:fillRect/>
+          </a:stretch>
+        </p:blipFill>
+        <p:spPr>
+          <a:xfrm>
+            <a:off x="1977056" y="2138142"/>
+            <a:ext cx="2505425" cy="3162741"/>
+          </a:xfrm>
+        </p:spPr>
+      </p:pic>
+      <p:sp>
+        <p:nvSpPr>
+          <p:cNvPr id="7" name="内容占位符 6"/>
+          <p:cNvSpPr>
+            <a:spLocks noGrp="1"/>
+          </p:cNvSpPr>
+          <p:nvPr>
+            <p:ph sz="quarter" idx="14"/>
+          </p:nvPr>
+        </p:nvSpPr>
+        <p:spPr>
+          <a:xfrm>
+            <a:off x="5734664" y="2636602"/>
+            <a:ext cx="5086538" cy="3311189"/>
+          </a:xfrm>
+        </p:spPr>
+        <p:txBody>
+          <a:bodyPr/>
+          <a:lstStyle/>
+          <a:p>
+            <a:r>
+              <a:rPr lang="zh-CN" altLang="zh-CN" dirty="0"/>
+              <a:t>开发过程中贯彻面向接口编程原则，分层体系结构，减少沟通成本，使得开发能够高度并行。</a:t>
+            </a:r>
+          </a:p>
+          <a:p>
+            <a:endParaRPr lang="zh-CN" altLang="en-US" dirty="0"/>
+          </a:p>
+        </p:txBody>
+      </p:sp>
+    </p:spTree>
+    <p:extLst>
+      <p:ext uri="{BB962C8B-B14F-4D97-AF65-F5344CB8AC3E}">
+        <p14:creationId xmlns:p14="http://schemas.microsoft.com/office/powerpoint/2010/main" val="2849845447"/>
+      </p:ext>
+    </p:extLst>
+  </p:cSld>
+  <p:clrMapOvr>
+    <a:masterClrMapping/>
+  </p:clrMapOvr>
+</p:sld>
+</file>
+
+<file path=ppt/slides/slide13.xml><?xml version="1.0" encoding="utf-8"?>
+<p:sld xmlns:a="http://schemas.openxmlformats.org/drawingml/2006/main" xmlns:r="http://schemas.openxmlformats.org/officeDocument/2006/relationships" xmlns:p="http://schemas.openxmlformats.org/presentationml/2006/main">
+  <p:cSld>
+    <p:spTree>
+      <p:nvGrpSpPr>
+        <p:cNvPr id="1" name=""/>
+        <p:cNvGrpSpPr/>
+        <p:nvPr/>
+      </p:nvGrpSpPr>
+      <p:grpSpPr>
+        <a:xfrm>
+          <a:off x="0" y="0"/>
+          <a:ext cx="0" cy="0"/>
+          <a:chOff x="0" y="0"/>
+          <a:chExt cx="0" cy="0"/>
+        </a:xfrm>
+      </p:grpSpPr>
+      <p:sp>
+        <p:nvSpPr>
+          <p:cNvPr id="2" name="标题 1"/>
+          <p:cNvSpPr>
+            <a:spLocks noGrp="1"/>
+          </p:cNvSpPr>
+          <p:nvPr>
+            <p:ph type="title"/>
+          </p:nvPr>
+        </p:nvSpPr>
+        <p:spPr/>
+        <p:txBody>
+          <a:bodyPr/>
+          <a:lstStyle/>
+          <a:p>
+            <a:r>
+              <a:rPr lang="zh-CN" altLang="en-US" dirty="0" smtClean="0"/>
+              <a:t>回归测试</a:t>
+            </a:r>
+            <a:endParaRPr lang="zh-CN" altLang="en-US" dirty="0"/>
+          </a:p>
+        </p:txBody>
+      </p:sp>
+      <p:pic>
+        <p:nvPicPr>
+          <p:cNvPr id="5" name="内容占位符 4"/>
+          <p:cNvPicPr>
+            <a:picLocks noGrp="1" noChangeAspect="1"/>
+          </p:cNvPicPr>
+          <p:nvPr>
+            <p:ph sz="quarter" idx="13"/>
+          </p:nvPr>
+        </p:nvPicPr>
+        <p:blipFill>
+          <a:blip r:embed="rId2">
+            <a:extLst>
+              <a:ext uri="{28A0092B-C50C-407E-A947-70E740481C1C}">
+                <a14:useLocalDpi xmlns:a14="http://schemas.microsoft.com/office/drawing/2010/main" val="0"/>
+              </a:ext>
+            </a:extLst>
+          </a:blip>
+          <a:stretch>
+            <a:fillRect/>
+          </a:stretch>
+        </p:blipFill>
+        <p:spPr>
+          <a:xfrm>
+            <a:off x="1288852" y="1843940"/>
+            <a:ext cx="2846419" cy="3744846"/>
+          </a:xfrm>
+        </p:spPr>
+      </p:pic>
+      <p:sp>
+        <p:nvSpPr>
+          <p:cNvPr id="4" name="内容占位符 3"/>
+          <p:cNvSpPr>
+            <a:spLocks noGrp="1"/>
+          </p:cNvSpPr>
+          <p:nvPr>
+            <p:ph sz="quarter" idx="14"/>
+          </p:nvPr>
+        </p:nvSpPr>
+        <p:spPr>
+          <a:xfrm>
+            <a:off x="5379821" y="2060724"/>
+            <a:ext cx="5086538" cy="3311189"/>
+          </a:xfrm>
+        </p:spPr>
+        <p:txBody>
+          <a:bodyPr/>
+          <a:lstStyle/>
+          <a:p>
+            <a:r>
+              <a:rPr lang="zh-CN" altLang="zh-CN" dirty="0"/>
+              <a:t>对于球员效率、真实命中率、球队进攻防守效率等数据，我们的获取方法是：从网站上获取球员和球队的原始比赛数据，使用公开的公式进行计算，核对计算结果，保证计算逻辑正确性，保留测试用例和标准数据。之后每次变更数据源或者改变逻辑，均执行回归测试以保证其正确性。</a:t>
+            </a:r>
+            <a:endParaRPr lang="zh-CN" altLang="en-US" dirty="0"/>
+          </a:p>
+        </p:txBody>
+      </p:sp>
+    </p:spTree>
+    <p:extLst>
+      <p:ext uri="{BB962C8B-B14F-4D97-AF65-F5344CB8AC3E}">
+        <p14:creationId xmlns:p14="http://schemas.microsoft.com/office/powerpoint/2010/main" val="3672603"/>
+      </p:ext>
+    </p:extLst>
+  </p:cSld>
+  <p:clrMapOvr>
+    <a:masterClrMapping/>
+  </p:clrMapOvr>
+</p:sld>
+</file>
+
+<file path=ppt/slides/slide14.xml><?xml version="1.0" encoding="utf-8"?>
+<p:sld xmlns:a="http://schemas.openxmlformats.org/drawingml/2006/main" xmlns:r="http://schemas.openxmlformats.org/officeDocument/2006/relationships" xmlns:p="http://schemas.openxmlformats.org/presentationml/2006/main">
+  <p:cSld>
+    <p:spTree>
+      <p:nvGrpSpPr>
+        <p:cNvPr id="1" name=""/>
+        <p:cNvGrpSpPr/>
+        <p:nvPr/>
+      </p:nvGrpSpPr>
+      <p:grpSpPr>
+        <a:xfrm>
+          <a:off x="0" y="0"/>
+          <a:ext cx="0" cy="0"/>
+          <a:chOff x="0" y="0"/>
+          <a:chExt cx="0" cy="0"/>
+        </a:xfrm>
+      </p:grpSpPr>
+      <p:sp>
+        <p:nvSpPr>
+          <p:cNvPr id="2" name="标题 1"/>
+          <p:cNvSpPr>
+            <a:spLocks noGrp="1"/>
+          </p:cNvSpPr>
+          <p:nvPr>
+            <p:ph type="title"/>
+          </p:nvPr>
+        </p:nvSpPr>
+        <p:spPr/>
+        <p:txBody>
+          <a:bodyPr/>
+          <a:lstStyle/>
+          <a:p>
+            <a:r>
+              <a:rPr lang="zh-CN" altLang="en-US" dirty="0" smtClean="0"/>
+              <a:t>会议记录</a:t>
+            </a:r>
+            <a:endParaRPr lang="zh-CN" altLang="en-US" dirty="0"/>
+          </a:p>
+        </p:txBody>
+      </p:sp>
+      <p:pic>
+        <p:nvPicPr>
+          <p:cNvPr id="4" name="内容占位符 3"/>
+          <p:cNvPicPr>
+            <a:picLocks noGrp="1" noChangeAspect="1"/>
+          </p:cNvPicPr>
+          <p:nvPr>
+            <p:ph sz="quarter" idx="13"/>
+          </p:nvPr>
+        </p:nvPicPr>
+        <p:blipFill>
+          <a:blip r:embed="rId2" cstate="print">
+            <a:extLst>
+              <a:ext uri="{28A0092B-C50C-407E-A947-70E740481C1C}">
+                <a14:useLocalDpi xmlns:a14="http://schemas.microsoft.com/office/drawing/2010/main" val="0"/>
+              </a:ext>
+            </a:extLst>
+          </a:blip>
+          <a:stretch>
+            <a:fillRect/>
+          </a:stretch>
+        </p:blipFill>
+        <p:spPr>
+          <a:xfrm>
+            <a:off x="685800" y="2348823"/>
+            <a:ext cx="5087938" cy="2741378"/>
+          </a:xfrm>
+        </p:spPr>
+      </p:pic>
+      <p:sp>
+        <p:nvSpPr>
+          <p:cNvPr id="3" name="内容占位符 2"/>
+          <p:cNvSpPr>
+            <a:spLocks noGrp="1"/>
+          </p:cNvSpPr>
+          <p:nvPr>
+            <p:ph sz="quarter" idx="14"/>
+          </p:nvPr>
+        </p:nvSpPr>
+        <p:spPr>
+          <a:xfrm>
+            <a:off x="6432874" y="2348823"/>
+            <a:ext cx="5086538" cy="3311189"/>
+          </a:xfrm>
+        </p:spPr>
+        <p:txBody>
+          <a:bodyPr/>
+          <a:lstStyle/>
+          <a:p>
+            <a:r>
+              <a:rPr lang="zh-CN" altLang="en-US" dirty="0" smtClean="0"/>
+              <a:t>每周周二在机房开会</a:t>
+            </a:r>
+            <a:endParaRPr lang="en-US" altLang="zh-CN" dirty="0" smtClean="0"/>
+          </a:p>
+          <a:p>
+            <a:endParaRPr lang="en-US" altLang="zh-CN" dirty="0" smtClean="0"/>
+          </a:p>
+          <a:p>
+            <a:r>
+              <a:rPr lang="zh-CN" altLang="en-US" dirty="0" smtClean="0"/>
+              <a:t>当有额外工作需要时，定研讨见单独讨论</a:t>
+            </a:r>
+            <a:endParaRPr lang="en-US" altLang="zh-CN" dirty="0" smtClean="0"/>
+          </a:p>
+          <a:p>
+            <a:endParaRPr lang="en-US" altLang="zh-CN" dirty="0" smtClean="0"/>
+          </a:p>
+          <a:p>
+            <a:r>
+              <a:rPr lang="zh-CN" altLang="en-US" dirty="0" smtClean="0"/>
+              <a:t>通过</a:t>
+            </a:r>
+            <a:r>
+              <a:rPr lang="en-US" altLang="zh-CN" dirty="0" smtClean="0"/>
+              <a:t>QQ</a:t>
+            </a:r>
+            <a:r>
+              <a:rPr lang="zh-CN" altLang="en-US" dirty="0"/>
+              <a:t>群</a:t>
+            </a:r>
+            <a:r>
+              <a:rPr lang="zh-CN" altLang="en-US" dirty="0" smtClean="0"/>
+              <a:t>进行线上会议</a:t>
+            </a:r>
+            <a:endParaRPr lang="zh-CN" altLang="en-US" dirty="0"/>
+          </a:p>
+        </p:txBody>
+      </p:sp>
+    </p:spTree>
+    <p:extLst>
+      <p:ext uri="{BB962C8B-B14F-4D97-AF65-F5344CB8AC3E}">
+        <p14:creationId xmlns:p14="http://schemas.microsoft.com/office/powerpoint/2010/main" val="3329960677"/>
+      </p:ext>
+    </p:extLst>
+  </p:cSld>
+  <p:clrMapOvr>
+    <a:masterClrMapping/>
+  </p:clrMapOvr>
+</p:sld>
+</file>
+
+<file path=ppt/slides/slide15.xml><?xml version="1.0" encoding="utf-8"?>
+<p:sld xmlns:a="http://schemas.openxmlformats.org/drawingml/2006/main" xmlns:r="http://schemas.openxmlformats.org/officeDocument/2006/relationships" xmlns:p="http://schemas.openxmlformats.org/presentationml/2006/main">
+  <p:cSld>
+    <p:spTree>
+      <p:nvGrpSpPr>
+        <p:cNvPr id="1" name=""/>
+        <p:cNvGrpSpPr/>
+        <p:nvPr/>
+      </p:nvGrpSpPr>
+      <p:grpSpPr>
+        <a:xfrm>
+          <a:off x="0" y="0"/>
+          <a:ext cx="0" cy="0"/>
+          <a:chOff x="0" y="0"/>
+          <a:chExt cx="0" cy="0"/>
+        </a:xfrm>
+      </p:grpSpPr>
+      <p:sp>
+        <p:nvSpPr>
+          <p:cNvPr id="2" name="标题 1"/>
+          <p:cNvSpPr>
+            <a:spLocks noGrp="1"/>
+          </p:cNvSpPr>
+          <p:nvPr>
+            <p:ph type="title"/>
+          </p:nvPr>
+        </p:nvSpPr>
+        <p:spPr/>
+        <p:txBody>
+          <a:bodyPr/>
+          <a:lstStyle/>
+          <a:p>
+            <a:r>
+              <a:rPr lang="zh-CN" altLang="en-US" dirty="0" smtClean="0"/>
+              <a:t>优势</a:t>
+            </a:r>
+            <a:endParaRPr lang="zh-CN" altLang="en-US" dirty="0"/>
+          </a:p>
+        </p:txBody>
+      </p:sp>
+      <p:sp>
+        <p:nvSpPr>
+          <p:cNvPr id="3" name="内容占位符 2"/>
+          <p:cNvSpPr>
+            <a:spLocks noGrp="1"/>
+          </p:cNvSpPr>
+          <p:nvPr>
+            <p:ph sz="quarter" idx="13"/>
+          </p:nvPr>
+        </p:nvSpPr>
+        <p:spPr>
+          <a:xfrm>
+            <a:off x="549323" y="1837765"/>
+            <a:ext cx="10394707" cy="3311189"/>
+          </a:xfrm>
+        </p:spPr>
+        <p:txBody>
+          <a:bodyPr/>
+          <a:lstStyle/>
+          <a:p>
+            <a:r>
+              <a:rPr lang="zh-CN" altLang="en-US" dirty="0" smtClean="0"/>
+              <a:t>整个团队严格要求自己，完成</a:t>
+            </a:r>
+            <a:r>
+              <a:rPr lang="zh-CN" altLang="en-US" dirty="0" smtClean="0"/>
+              <a:t>了老师的全部</a:t>
+            </a:r>
+            <a:r>
+              <a:rPr lang="zh-CN" altLang="en-US" dirty="0"/>
+              <a:t>要求，功能实用</a:t>
+            </a:r>
+            <a:r>
+              <a:rPr lang="zh-CN" altLang="en-US" dirty="0" smtClean="0"/>
+              <a:t>可靠</a:t>
+            </a:r>
+            <a:endParaRPr lang="en-US" altLang="zh-CN" dirty="0" smtClean="0"/>
+          </a:p>
+          <a:p>
+            <a:r>
+              <a:rPr lang="zh-CN" altLang="en-US" dirty="0" smtClean="0"/>
+              <a:t>在基础功能之上做了大量拓展，</a:t>
+            </a:r>
+            <a:r>
+              <a:rPr lang="zh-CN" altLang="en-US" dirty="0"/>
+              <a:t>注重分析理解</a:t>
+            </a:r>
+            <a:r>
+              <a:rPr lang="zh-CN" altLang="en-US" dirty="0" smtClean="0"/>
+              <a:t>，较好</a:t>
+            </a:r>
+            <a:r>
+              <a:rPr lang="zh-CN" altLang="en-US" dirty="0"/>
+              <a:t>地处理和展示</a:t>
+            </a:r>
+            <a:r>
+              <a:rPr lang="zh-CN" altLang="en-US" dirty="0" smtClean="0"/>
+              <a:t>数据</a:t>
+            </a:r>
+            <a:endParaRPr lang="en-US" altLang="zh-CN" dirty="0"/>
+          </a:p>
+          <a:p>
+            <a:r>
+              <a:rPr lang="zh-CN" altLang="en-US" dirty="0" smtClean="0"/>
+              <a:t>利用统计学的知识对球员进行描述统计及推断统计</a:t>
+            </a:r>
+            <a:endParaRPr lang="en-US" altLang="zh-CN" dirty="0" smtClean="0"/>
+          </a:p>
+          <a:p>
+            <a:r>
+              <a:rPr lang="zh-CN" altLang="en-US" dirty="0" smtClean="0"/>
+              <a:t>注重人机交互与软件友好度</a:t>
+            </a:r>
+            <a:endParaRPr lang="en-US" altLang="zh-CN" dirty="0" smtClean="0"/>
+          </a:p>
+          <a:p>
+            <a:r>
+              <a:rPr lang="zh-CN" altLang="en-US" dirty="0" smtClean="0"/>
+              <a:t>页面</a:t>
+            </a:r>
+            <a:r>
+              <a:rPr lang="zh-CN" altLang="en-US" dirty="0" smtClean="0"/>
+              <a:t>多视角跳转</a:t>
+            </a:r>
+            <a:endParaRPr lang="zh-CN" altLang="en-US" dirty="0"/>
+          </a:p>
+        </p:txBody>
+      </p:sp>
+    </p:spTree>
+    <p:extLst>
+      <p:ext uri="{BB962C8B-B14F-4D97-AF65-F5344CB8AC3E}">
+        <p14:creationId xmlns:p14="http://schemas.microsoft.com/office/powerpoint/2010/main" val="3717212703"/>
+      </p:ext>
+    </p:extLst>
+  </p:cSld>
+  <p:clrMapOvr>
+    <a:masterClrMapping/>
+  </p:clrMapOvr>
+</p:sld>
+</file>
+
+<file path=ppt/slides/slide16.xml><?xml version="1.0" encoding="utf-8"?>
+<p:sld xmlns:a="http://schemas.openxmlformats.org/drawingml/2006/main" xmlns:r="http://schemas.openxmlformats.org/officeDocument/2006/relationships" xmlns:p="http://schemas.openxmlformats.org/presentationml/2006/main">
+  <p:cSld>
+    <p:spTree>
+      <p:nvGrpSpPr>
+        <p:cNvPr id="1" name=""/>
+        <p:cNvGrpSpPr/>
+        <p:nvPr/>
+      </p:nvGrpSpPr>
+      <p:grpSpPr>
+        <a:xfrm>
+          <a:off x="0" y="0"/>
+          <a:ext cx="0" cy="0"/>
+          <a:chOff x="0" y="0"/>
+          <a:chExt cx="0" cy="0"/>
+        </a:xfrm>
+      </p:grpSpPr>
+      <p:sp>
+        <p:nvSpPr>
+          <p:cNvPr id="2" name="标题 1"/>
+          <p:cNvSpPr>
+            <a:spLocks noGrp="1"/>
+          </p:cNvSpPr>
+          <p:nvPr>
+            <p:ph type="title"/>
+          </p:nvPr>
+        </p:nvSpPr>
+        <p:spPr/>
+        <p:txBody>
+          <a:bodyPr/>
+          <a:lstStyle/>
+          <a:p>
+            <a:r>
+              <a:rPr lang="zh-CN" altLang="en-US" dirty="0" smtClean="0"/>
+              <a:t>不足</a:t>
+            </a:r>
+            <a:endParaRPr lang="zh-CN" altLang="en-US" dirty="0"/>
+          </a:p>
+        </p:txBody>
+      </p:sp>
+      <p:sp>
+        <p:nvSpPr>
+          <p:cNvPr id="3" name="内容占位符 2"/>
+          <p:cNvSpPr>
+            <a:spLocks noGrp="1"/>
+          </p:cNvSpPr>
+          <p:nvPr>
+            <p:ph sz="quarter" idx="13"/>
+          </p:nvPr>
+        </p:nvSpPr>
+        <p:spPr>
+          <a:xfrm>
+            <a:off x="249072" y="1585725"/>
+            <a:ext cx="10394707" cy="3311189"/>
+          </a:xfrm>
+        </p:spPr>
+        <p:txBody>
+          <a:bodyPr/>
+          <a:lstStyle/>
+          <a:p>
+            <a:r>
+              <a:rPr lang="zh-CN" altLang="en-US" dirty="0" smtClean="0"/>
+              <a:t>由于团队成员生病的因素，会导致整个项目进度变慢</a:t>
+            </a:r>
+            <a:endParaRPr lang="en-US" altLang="zh-CN" dirty="0" smtClean="0"/>
+          </a:p>
+          <a:p>
+            <a:endParaRPr lang="en-US" altLang="zh-CN" dirty="0" smtClean="0"/>
+          </a:p>
+          <a:p>
+            <a:r>
+              <a:rPr lang="zh-CN" altLang="en-US" dirty="0" smtClean="0"/>
+              <a:t>在软件设计过程中，团队成员会产生分歧</a:t>
+            </a:r>
+            <a:endParaRPr lang="en-US" altLang="zh-CN" dirty="0" smtClean="0"/>
+          </a:p>
+          <a:p>
+            <a:endParaRPr lang="en-US" altLang="zh-CN" dirty="0"/>
+          </a:p>
+          <a:p>
+            <a:r>
+              <a:rPr lang="zh-CN" altLang="en-US" dirty="0" smtClean="0"/>
+              <a:t>软件开发初期代码风格不统一</a:t>
+            </a:r>
+            <a:endParaRPr lang="zh-CN" altLang="en-US" dirty="0"/>
+          </a:p>
+        </p:txBody>
+      </p:sp>
+    </p:spTree>
+    <p:extLst>
+      <p:ext uri="{BB962C8B-B14F-4D97-AF65-F5344CB8AC3E}">
+        <p14:creationId xmlns:p14="http://schemas.microsoft.com/office/powerpoint/2010/main" val="422974501"/>
+      </p:ext>
+    </p:extLst>
+  </p:cSld>
+  <p:clrMapOvr>
+    <a:masterClrMapping/>
+  </p:clrMapOvr>
+</p:sld>
+</file>
+
+<file path=ppt/slides/slide17.xml><?xml version="1.0" encoding="utf-8"?>
+<p:sld xmlns:a="http://schemas.openxmlformats.org/drawingml/2006/main" xmlns:r="http://schemas.openxmlformats.org/officeDocument/2006/relationships" xmlns:p="http://schemas.openxmlformats.org/presentationml/2006/main">
+  <p:cSld>
+    <p:spTree>
+      <p:nvGrpSpPr>
+        <p:cNvPr id="1" name=""/>
+        <p:cNvGrpSpPr/>
+        <p:nvPr/>
+      </p:nvGrpSpPr>
+      <p:grpSpPr>
+        <a:xfrm>
+          <a:off x="0" y="0"/>
+          <a:ext cx="0" cy="0"/>
+          <a:chOff x="0" y="0"/>
+          <a:chExt cx="0" cy="0"/>
+        </a:xfrm>
+      </p:grpSpPr>
+      <p:sp>
+        <p:nvSpPr>
+          <p:cNvPr id="2" name="标题 1"/>
+          <p:cNvSpPr>
+            <a:spLocks noGrp="1"/>
+          </p:cNvSpPr>
+          <p:nvPr>
+            <p:ph type="title"/>
+          </p:nvPr>
+        </p:nvSpPr>
+        <p:spPr/>
+        <p:txBody>
+          <a:bodyPr/>
+          <a:lstStyle/>
+          <a:p>
+            <a:r>
+              <a:rPr lang="zh-CN" altLang="en-US" dirty="0" smtClean="0"/>
+              <a:t>总结</a:t>
+            </a:r>
+            <a:endParaRPr lang="zh-CN" altLang="en-US" dirty="0"/>
+          </a:p>
+        </p:txBody>
+      </p:sp>
+      <p:sp>
+        <p:nvSpPr>
+          <p:cNvPr id="3" name="内容占位符 2"/>
+          <p:cNvSpPr>
+            <a:spLocks noGrp="1"/>
+          </p:cNvSpPr>
+          <p:nvPr>
+            <p:ph sz="quarter" idx="13"/>
+          </p:nvPr>
+        </p:nvSpPr>
+        <p:spPr>
+          <a:xfrm>
+            <a:off x="180833" y="1421951"/>
+            <a:ext cx="10394707" cy="3311189"/>
+          </a:xfrm>
+        </p:spPr>
+        <p:txBody>
+          <a:bodyPr/>
+          <a:lstStyle/>
+          <a:p>
+            <a:r>
+              <a:rPr lang="zh-CN" altLang="en-US" dirty="0" smtClean="0"/>
+              <a:t>随着勇士战胜骑士队获得了</a:t>
+            </a:r>
+            <a:r>
+              <a:rPr lang="en-US" altLang="zh-CN" dirty="0" smtClean="0"/>
+              <a:t>2014-15</a:t>
+            </a:r>
+            <a:r>
+              <a:rPr lang="zh-CN" altLang="en-US" dirty="0" smtClean="0"/>
+              <a:t>赛季的总冠军，我们的</a:t>
+            </a:r>
+            <a:r>
+              <a:rPr lang="en-US" altLang="zh-CN" dirty="0" err="1" smtClean="0"/>
+              <a:t>NBALABAla</a:t>
+            </a:r>
+            <a:r>
+              <a:rPr lang="zh-CN" altLang="en-US" dirty="0" smtClean="0"/>
+              <a:t>查询系统的开发工作也终于进入了尾声。回想几个月来的日日夜夜，觉得自己收获良多。无论是代码开发能力还是团队协作能力都得到了十足的提升，在软件开发过程中我们团队一直严格要求自己，控制产品质量，最终交付的产品希望可以得到了老师的认可。在未来的软件开发过程中，我们将会吸取本次的经验教训，以进一步提高软件开发水平。</a:t>
+            </a:r>
+            <a:endParaRPr lang="zh-CN" altLang="en-US" dirty="0"/>
+          </a:p>
+        </p:txBody>
+      </p:sp>
+    </p:spTree>
+    <p:extLst>
+      <p:ext uri="{BB962C8B-B14F-4D97-AF65-F5344CB8AC3E}">
+        <p14:creationId xmlns:p14="http://schemas.microsoft.com/office/powerpoint/2010/main" val="168031321"/>
+      </p:ext>
+    </p:extLst>
+  </p:cSld>
+  <p:clrMapOvr>
+    <a:masterClrMapping/>
+  </p:clrMapOvr>
+</p:sld>
+</file>
+
 <file path=ppt/slides/slide2.xml><?xml version="1.0" encoding="utf-8"?>
 <p:sld xmlns:a="http://schemas.openxmlformats.org/drawingml/2006/main" xmlns:r="http://schemas.openxmlformats.org/officeDocument/2006/relationships" xmlns:p="http://schemas.openxmlformats.org/presentationml/2006/main">
   <p:cSld>
@@ -10152,7 +11117,11 @@
           <a:p>
             <a:r>
               <a:rPr lang="zh-CN" altLang="en-US" dirty="0" smtClean="0"/>
-              <a:t>迭代一</a:t>
+              <a:t>迭代</a:t>
+            </a:r>
+            <a:r>
+              <a:rPr lang="zh-CN" altLang="en-US" dirty="0" smtClean="0"/>
+              <a:t>一</a:t>
             </a:r>
             <a:r>
               <a:rPr lang="en-US" altLang="zh-CN" dirty="0" smtClean="0"/>
@@ -10279,7 +11248,11 @@
           <a:p>
             <a:r>
               <a:rPr lang="zh-CN" altLang="en-US" dirty="0" smtClean="0"/>
-              <a:t>迭代三</a:t>
+              <a:t>迭代</a:t>
+            </a:r>
+            <a:r>
+              <a:rPr lang="zh-CN" altLang="en-US" dirty="0" smtClean="0"/>
+              <a:t>三界面展示</a:t>
             </a:r>
             <a:endParaRPr lang="zh-CN" altLang="en-US" dirty="0"/>
           </a:p>
@@ -10287,7 +11260,7 @@
       </p:sp>
       <p:pic>
         <p:nvPicPr>
-          <p:cNvPr id="4" name="内容占位符 3"/>
+          <p:cNvPr id="11" name="内容占位符 10"/>
           <p:cNvPicPr>
             <a:picLocks noGrp="1" noChangeAspect="1"/>
           </p:cNvPicPr>
@@ -10309,8 +11282,8 @@
         </p:blipFill>
         <p:spPr>
           <a:xfrm>
-            <a:off x="810605" y="2009158"/>
-            <a:ext cx="6051011" cy="3311525"/>
+            <a:off x="685801" y="1837765"/>
+            <a:ext cx="6534070" cy="3575888"/>
           </a:xfrm>
         </p:spPr>
       </p:pic>
@@ -10367,12 +11340,12 @@
           <a:lstStyle/>
           <a:p>
             <a:r>
-              <a:rPr lang="en-US" altLang="zh-CN" dirty="0" smtClean="0"/>
-              <a:t>GITHUB</a:t>
+              <a:rPr lang="zh-CN" altLang="en-US" dirty="0"/>
+              <a:t>所有</a:t>
             </a:r>
             <a:r>
               <a:rPr lang="zh-CN" altLang="en-US" dirty="0" smtClean="0"/>
-              <a:t>使用记录</a:t>
+              <a:t>球员</a:t>
             </a:r>
             <a:endParaRPr lang="zh-CN" altLang="en-US" dirty="0"/>
           </a:p>
@@ -10380,7 +11353,7 @@
       </p:sp>
       <p:pic>
         <p:nvPicPr>
-          <p:cNvPr id="4" name="内容占位符 3"/>
+          <p:cNvPr id="6" name="内容占位符 5"/>
           <p:cNvPicPr>
             <a:picLocks noGrp="1" noChangeAspect="1"/>
           </p:cNvPicPr>
@@ -10402,15 +11375,44 @@
         </p:blipFill>
         <p:spPr>
           <a:xfrm>
-            <a:off x="685801" y="2009159"/>
-            <a:ext cx="6054505" cy="3311525"/>
+            <a:off x="685800" y="2327280"/>
+            <a:ext cx="5087938" cy="2784465"/>
+          </a:xfrm>
+        </p:spPr>
+      </p:pic>
+      <p:pic>
+        <p:nvPicPr>
+          <p:cNvPr id="7" name="内容占位符 6"/>
+          <p:cNvPicPr>
+            <a:picLocks noGrp="1" noChangeAspect="1"/>
+          </p:cNvPicPr>
+          <p:nvPr>
+            <p:ph sz="quarter" idx="14"/>
+          </p:nvPr>
+        </p:nvPicPr>
+        <p:blipFill>
+          <a:blip r:embed="rId3">
+            <a:extLst>
+              <a:ext uri="{28A0092B-C50C-407E-A947-70E740481C1C}">
+                <a14:useLocalDpi xmlns:a14="http://schemas.microsoft.com/office/drawing/2010/main" val="0"/>
+              </a:ext>
+            </a:extLst>
+          </a:blip>
+          <a:stretch>
+            <a:fillRect/>
+          </a:stretch>
+        </p:blipFill>
+        <p:spPr>
+          <a:xfrm>
+            <a:off x="5994400" y="2327714"/>
+            <a:ext cx="5086350" cy="2783596"/>
           </a:xfrm>
         </p:spPr>
       </p:pic>
     </p:spTree>
     <p:extLst>
       <p:ext uri="{BB962C8B-B14F-4D97-AF65-F5344CB8AC3E}">
-        <p14:creationId xmlns:p14="http://schemas.microsoft.com/office/powerpoint/2010/main" val="1933527437"/>
+        <p14:creationId xmlns:p14="http://schemas.microsoft.com/office/powerpoint/2010/main" val="551118985"/>
       </p:ext>
     </p:extLst>
   </p:cSld>
@@ -10454,7 +11456,7 @@
           <a:p>
             <a:r>
               <a:rPr lang="zh-CN" altLang="en-US" dirty="0" smtClean="0"/>
-              <a:t>会议记录</a:t>
+              <a:t>所有球队</a:t>
             </a:r>
             <a:endParaRPr lang="zh-CN" altLang="en-US" dirty="0"/>
           </a:p>
@@ -10462,7 +11464,7 @@
       </p:sp>
       <p:pic>
         <p:nvPicPr>
-          <p:cNvPr id="4" name="内容占位符 3"/>
+          <p:cNvPr id="5" name="内容占位符 4"/>
           <p:cNvPicPr>
             <a:picLocks noGrp="1" noChangeAspect="1"/>
           </p:cNvPicPr>
@@ -10484,15 +11486,44 @@
         </p:blipFill>
         <p:spPr>
           <a:xfrm>
-            <a:off x="685801" y="1968216"/>
-            <a:ext cx="6146118" cy="3311525"/>
+            <a:off x="685800" y="2327280"/>
+            <a:ext cx="5087938" cy="2784465"/>
+          </a:xfrm>
+        </p:spPr>
+      </p:pic>
+      <p:pic>
+        <p:nvPicPr>
+          <p:cNvPr id="14" name="内容占位符 13"/>
+          <p:cNvPicPr>
+            <a:picLocks noGrp="1" noChangeAspect="1"/>
+          </p:cNvPicPr>
+          <p:nvPr>
+            <p:ph sz="quarter" idx="14"/>
+          </p:nvPr>
+        </p:nvPicPr>
+        <p:blipFill>
+          <a:blip r:embed="rId3">
+            <a:extLst>
+              <a:ext uri="{28A0092B-C50C-407E-A947-70E740481C1C}">
+                <a14:useLocalDpi xmlns:a14="http://schemas.microsoft.com/office/drawing/2010/main" val="0"/>
+              </a:ext>
+            </a:extLst>
+          </a:blip>
+          <a:stretch>
+            <a:fillRect/>
+          </a:stretch>
+        </p:blipFill>
+        <p:spPr>
+          <a:xfrm>
+            <a:off x="5994400" y="2327714"/>
+            <a:ext cx="5086350" cy="2783596"/>
           </a:xfrm>
         </p:spPr>
       </p:pic>
     </p:spTree>
     <p:extLst>
       <p:ext uri="{BB962C8B-B14F-4D97-AF65-F5344CB8AC3E}">
-        <p14:creationId xmlns:p14="http://schemas.microsoft.com/office/powerpoint/2010/main" val="3329960677"/>
+        <p14:creationId xmlns:p14="http://schemas.microsoft.com/office/powerpoint/2010/main" val="774294240"/>
       </p:ext>
     </p:extLst>
   </p:cSld>
@@ -10536,67 +11567,82 @@
           <a:p>
             <a:r>
               <a:rPr lang="zh-CN" altLang="en-US" dirty="0" smtClean="0"/>
-              <a:t>优势</a:t>
+              <a:t>球员数据</a:t>
+            </a:r>
+            <a:r>
+              <a:rPr lang="en-US" altLang="zh-CN" dirty="0" smtClean="0"/>
+              <a:t>/</a:t>
+            </a:r>
+            <a:r>
+              <a:rPr lang="zh-CN" altLang="en-US" dirty="0" smtClean="0"/>
+              <a:t>球队数据</a:t>
             </a:r>
             <a:endParaRPr lang="zh-CN" altLang="en-US" dirty="0"/>
           </a:p>
         </p:txBody>
       </p:sp>
-      <p:sp>
-        <p:nvSpPr>
-          <p:cNvPr id="3" name="内容占位符 2"/>
-          <p:cNvSpPr>
-            <a:spLocks noGrp="1"/>
-          </p:cNvSpPr>
+      <p:pic>
+        <p:nvPicPr>
+          <p:cNvPr id="5" name="内容占位符 4"/>
+          <p:cNvPicPr>
+            <a:picLocks noGrp="1" noChangeAspect="1"/>
+          </p:cNvPicPr>
           <p:nvPr>
             <p:ph sz="quarter" idx="13"/>
           </p:nvPr>
-        </p:nvSpPr>
-        <p:spPr/>
-        <p:txBody>
-          <a:bodyPr/>
-          <a:lstStyle/>
-          <a:p>
-            <a:r>
-              <a:rPr lang="zh-CN" altLang="en-US" dirty="0" smtClean="0"/>
-              <a:t>完成了老师的全部要求</a:t>
-            </a:r>
-            <a:endParaRPr lang="en-US" altLang="zh-CN" dirty="0" smtClean="0"/>
-          </a:p>
-          <a:p>
-            <a:r>
-              <a:rPr lang="zh-CN" altLang="en-US" dirty="0" smtClean="0"/>
-              <a:t>注重人机交互与软件友好度</a:t>
-            </a:r>
-            <a:endParaRPr lang="en-US" altLang="zh-CN" dirty="0" smtClean="0"/>
-          </a:p>
-          <a:p>
-            <a:r>
-              <a:rPr lang="zh-CN" altLang="en-US" dirty="0" smtClean="0"/>
-              <a:t>功能实用可靠</a:t>
-            </a:r>
-            <a:endParaRPr lang="en-US" altLang="zh-CN" dirty="0" smtClean="0"/>
-          </a:p>
-          <a:p>
-            <a:r>
-              <a:rPr lang="zh-CN" altLang="en-US" dirty="0" smtClean="0"/>
-              <a:t>注重分析理解，较好地处理和展示数据</a:t>
-            </a:r>
-            <a:endParaRPr lang="en-US" altLang="zh-CN" dirty="0" smtClean="0"/>
-          </a:p>
-          <a:p>
-            <a:r>
-              <a:rPr lang="zh-CN" altLang="en-US" dirty="0" smtClean="0"/>
-              <a:t>页面多视角跳转</a:t>
-            </a:r>
-            <a:endParaRPr lang="zh-CN" altLang="en-US" dirty="0"/>
-          </a:p>
-        </p:txBody>
-      </p:sp>
+        </p:nvPicPr>
+        <p:blipFill>
+          <a:blip r:embed="rId2">
+            <a:extLst>
+              <a:ext uri="{28A0092B-C50C-407E-A947-70E740481C1C}">
+                <a14:useLocalDpi xmlns:a14="http://schemas.microsoft.com/office/drawing/2010/main" val="0"/>
+              </a:ext>
+            </a:extLst>
+          </a:blip>
+          <a:stretch>
+            <a:fillRect/>
+          </a:stretch>
+        </p:blipFill>
+        <p:spPr>
+          <a:xfrm>
+            <a:off x="685800" y="2327280"/>
+            <a:ext cx="5087938" cy="2784465"/>
+          </a:xfrm>
+        </p:spPr>
+      </p:pic>
+      <p:pic>
+        <p:nvPicPr>
+          <p:cNvPr id="6" name="内容占位符 5"/>
+          <p:cNvPicPr>
+            <a:picLocks noGrp="1" noChangeAspect="1"/>
+          </p:cNvPicPr>
+          <p:nvPr>
+            <p:ph sz="quarter" idx="14"/>
+          </p:nvPr>
+        </p:nvPicPr>
+        <p:blipFill>
+          <a:blip r:embed="rId3">
+            <a:extLst>
+              <a:ext uri="{28A0092B-C50C-407E-A947-70E740481C1C}">
+                <a14:useLocalDpi xmlns:a14="http://schemas.microsoft.com/office/drawing/2010/main" val="0"/>
+              </a:ext>
+            </a:extLst>
+          </a:blip>
+          <a:stretch>
+            <a:fillRect/>
+          </a:stretch>
+        </p:blipFill>
+        <p:spPr>
+          <a:xfrm>
+            <a:off x="5994400" y="2327714"/>
+            <a:ext cx="5086350" cy="2783596"/>
+          </a:xfrm>
+        </p:spPr>
+      </p:pic>
     </p:spTree>
     <p:extLst>
       <p:ext uri="{BB962C8B-B14F-4D97-AF65-F5344CB8AC3E}">
-        <p14:creationId xmlns:p14="http://schemas.microsoft.com/office/powerpoint/2010/main" val="3717212703"/>
+        <p14:creationId xmlns:p14="http://schemas.microsoft.com/office/powerpoint/2010/main" val="2290715473"/>
       </p:ext>
     </p:extLst>
   </p:cSld>
@@ -10640,54 +11686,185 @@
           <a:p>
             <a:r>
               <a:rPr lang="zh-CN" altLang="en-US" dirty="0" smtClean="0"/>
-              <a:t>不足</a:t>
+              <a:t>赛程</a:t>
             </a:r>
             <a:endParaRPr lang="zh-CN" altLang="en-US" dirty="0"/>
           </a:p>
         </p:txBody>
       </p:sp>
-      <p:sp>
-        <p:nvSpPr>
-          <p:cNvPr id="3" name="内容占位符 2"/>
-          <p:cNvSpPr>
-            <a:spLocks noGrp="1"/>
-          </p:cNvSpPr>
+      <p:pic>
+        <p:nvPicPr>
+          <p:cNvPr id="5" name="内容占位符 4"/>
+          <p:cNvPicPr>
+            <a:picLocks noGrp="1" noChangeAspect="1"/>
+          </p:cNvPicPr>
           <p:nvPr>
             <p:ph sz="quarter" idx="13"/>
           </p:nvPr>
-        </p:nvSpPr>
-        <p:spPr/>
-        <p:txBody>
-          <a:bodyPr/>
-          <a:lstStyle/>
-          <a:p>
-            <a:r>
-              <a:rPr lang="zh-CN" altLang="en-US" dirty="0" smtClean="0"/>
-              <a:t>拖延症，</a:t>
-            </a:r>
-            <a:r>
-              <a:rPr lang="en-US" altLang="zh-CN" dirty="0" err="1" smtClean="0"/>
-              <a:t>ddl</a:t>
-            </a:r>
-            <a:r>
-              <a:rPr lang="zh-CN" altLang="en-US" dirty="0" smtClean="0"/>
-              <a:t>前会比较辛苦</a:t>
-            </a:r>
-            <a:endParaRPr lang="en-US" altLang="zh-CN" dirty="0" smtClean="0"/>
-          </a:p>
-          <a:p>
-            <a:r>
-              <a:rPr lang="zh-CN" altLang="en-US" dirty="0" smtClean="0"/>
-              <a:t>人员易产生分歧</a:t>
-            </a:r>
-            <a:endParaRPr lang="zh-CN" altLang="en-US" dirty="0"/>
-          </a:p>
-        </p:txBody>
-      </p:sp>
+        </p:nvPicPr>
+        <p:blipFill>
+          <a:blip r:embed="rId2">
+            <a:extLst>
+              <a:ext uri="{28A0092B-C50C-407E-A947-70E740481C1C}">
+                <a14:useLocalDpi xmlns:a14="http://schemas.microsoft.com/office/drawing/2010/main" val="0"/>
+              </a:ext>
+            </a:extLst>
+          </a:blip>
+          <a:stretch>
+            <a:fillRect/>
+          </a:stretch>
+        </p:blipFill>
+        <p:spPr>
+          <a:xfrm>
+            <a:off x="685800" y="2327280"/>
+            <a:ext cx="5087938" cy="2784465"/>
+          </a:xfrm>
+        </p:spPr>
+      </p:pic>
+      <p:pic>
+        <p:nvPicPr>
+          <p:cNvPr id="6" name="内容占位符 5"/>
+          <p:cNvPicPr>
+            <a:picLocks noGrp="1" noChangeAspect="1"/>
+          </p:cNvPicPr>
+          <p:nvPr>
+            <p:ph sz="quarter" idx="14"/>
+          </p:nvPr>
+        </p:nvPicPr>
+        <p:blipFill>
+          <a:blip r:embed="rId3">
+            <a:extLst>
+              <a:ext uri="{28A0092B-C50C-407E-A947-70E740481C1C}">
+                <a14:useLocalDpi xmlns:a14="http://schemas.microsoft.com/office/drawing/2010/main" val="0"/>
+              </a:ext>
+            </a:extLst>
+          </a:blip>
+          <a:stretch>
+            <a:fillRect/>
+          </a:stretch>
+        </p:blipFill>
+        <p:spPr>
+          <a:xfrm>
+            <a:off x="5994400" y="2327714"/>
+            <a:ext cx="5086350" cy="2783596"/>
+          </a:xfrm>
+        </p:spPr>
+      </p:pic>
     </p:spTree>
     <p:extLst>
       <p:ext uri="{BB962C8B-B14F-4D97-AF65-F5344CB8AC3E}">
-        <p14:creationId xmlns:p14="http://schemas.microsoft.com/office/powerpoint/2010/main" val="422974501"/>
+        <p14:creationId xmlns:p14="http://schemas.microsoft.com/office/powerpoint/2010/main" val="3560989668"/>
+      </p:ext>
+    </p:extLst>
+  </p:cSld>
+  <p:clrMapOvr>
+    <a:masterClrMapping/>
+  </p:clrMapOvr>
+</p:sld>
+</file>
+
+<file path=ppt/slides/slide9.xml><?xml version="1.0" encoding="utf-8"?>
+<p:sld xmlns:a="http://schemas.openxmlformats.org/drawingml/2006/main" xmlns:r="http://schemas.openxmlformats.org/officeDocument/2006/relationships" xmlns:p="http://schemas.openxmlformats.org/presentationml/2006/main">
+  <p:cSld>
+    <p:spTree>
+      <p:nvGrpSpPr>
+        <p:cNvPr id="1" name=""/>
+        <p:cNvGrpSpPr/>
+        <p:nvPr/>
+      </p:nvGrpSpPr>
+      <p:grpSpPr>
+        <a:xfrm>
+          <a:off x="0" y="0"/>
+          <a:ext cx="0" cy="0"/>
+          <a:chOff x="0" y="0"/>
+          <a:chExt cx="0" cy="0"/>
+        </a:xfrm>
+      </p:grpSpPr>
+      <p:sp>
+        <p:nvSpPr>
+          <p:cNvPr id="2" name="标题 1"/>
+          <p:cNvSpPr>
+            <a:spLocks noGrp="1"/>
+          </p:cNvSpPr>
+          <p:nvPr>
+            <p:ph type="title"/>
+          </p:nvPr>
+        </p:nvSpPr>
+        <p:spPr/>
+        <p:txBody>
+          <a:bodyPr/>
+          <a:lstStyle/>
+          <a:p>
+            <a:r>
+              <a:rPr lang="zh-CN" altLang="en-US" dirty="0" smtClean="0"/>
+              <a:t>直播</a:t>
+            </a:r>
+            <a:endParaRPr lang="zh-CN" altLang="en-US" dirty="0"/>
+          </a:p>
+        </p:txBody>
+      </p:sp>
+      <p:pic>
+        <p:nvPicPr>
+          <p:cNvPr id="5" name="内容占位符 4"/>
+          <p:cNvPicPr>
+            <a:picLocks noGrp="1" noChangeAspect="1"/>
+          </p:cNvPicPr>
+          <p:nvPr>
+            <p:ph sz="quarter" idx="13"/>
+          </p:nvPr>
+        </p:nvPicPr>
+        <p:blipFill>
+          <a:blip r:embed="rId2">
+            <a:extLst>
+              <a:ext uri="{28A0092B-C50C-407E-A947-70E740481C1C}">
+                <a14:useLocalDpi xmlns:a14="http://schemas.microsoft.com/office/drawing/2010/main" val="0"/>
+              </a:ext>
+            </a:extLst>
+          </a:blip>
+          <a:stretch>
+            <a:fillRect/>
+          </a:stretch>
+        </p:blipFill>
+        <p:spPr>
+          <a:xfrm>
+            <a:off x="685800" y="2327280"/>
+            <a:ext cx="5087938" cy="2784465"/>
+          </a:xfrm>
+        </p:spPr>
+      </p:pic>
+      <p:pic>
+        <p:nvPicPr>
+          <p:cNvPr id="6" name="内容占位符 5"/>
+          <p:cNvPicPr>
+            <a:picLocks noGrp="1" noChangeAspect="1"/>
+          </p:cNvPicPr>
+          <p:nvPr>
+            <p:ph sz="quarter" idx="14"/>
+          </p:nvPr>
+        </p:nvPicPr>
+        <p:blipFill>
+          <a:blip r:embed="rId3">
+            <a:extLst>
+              <a:ext uri="{28A0092B-C50C-407E-A947-70E740481C1C}">
+                <a14:useLocalDpi xmlns:a14="http://schemas.microsoft.com/office/drawing/2010/main" val="0"/>
+              </a:ext>
+            </a:extLst>
+          </a:blip>
+          <a:stretch>
+            <a:fillRect/>
+          </a:stretch>
+        </p:blipFill>
+        <p:spPr>
+          <a:xfrm>
+            <a:off x="5994400" y="2327714"/>
+            <a:ext cx="5086350" cy="2783596"/>
+          </a:xfrm>
+        </p:spPr>
+      </p:pic>
+    </p:spTree>
+    <p:extLst>
+      <p:ext uri="{BB962C8B-B14F-4D97-AF65-F5344CB8AC3E}">
+        <p14:creationId xmlns:p14="http://schemas.microsoft.com/office/powerpoint/2010/main" val="235536465"/>
       </p:ext>
     </p:extLst>
   </p:cSld>
